--- a/MapaCL-CDMX/MapaCLCDMX.pptx
+++ b/MapaCL-CDMX/MapaCLCDMX.pptx
@@ -243,7 +243,7 @@
           <a:p>
             <a:fld id="{40D64AAD-380E-41ED-A69F-602F3232E4A5}" type="datetimeFigureOut">
               <a:rPr lang="es-MX" smtClean="0"/>
-              <a:t>16/10/2019</a:t>
+              <a:t>16/05/2020</a:t>
             </a:fld>
             <a:endParaRPr lang="es-MX"/>
           </a:p>
@@ -413,7 +413,7 @@
           <a:p>
             <a:fld id="{40D64AAD-380E-41ED-A69F-602F3232E4A5}" type="datetimeFigureOut">
               <a:rPr lang="es-MX" smtClean="0"/>
-              <a:t>16/10/2019</a:t>
+              <a:t>16/05/2020</a:t>
             </a:fld>
             <a:endParaRPr lang="es-MX"/>
           </a:p>
@@ -593,7 +593,7 @@
           <a:p>
             <a:fld id="{40D64AAD-380E-41ED-A69F-602F3232E4A5}" type="datetimeFigureOut">
               <a:rPr lang="es-MX" smtClean="0"/>
-              <a:t>16/10/2019</a:t>
+              <a:t>16/05/2020</a:t>
             </a:fld>
             <a:endParaRPr lang="es-MX"/>
           </a:p>
@@ -763,7 +763,7 @@
           <a:p>
             <a:fld id="{40D64AAD-380E-41ED-A69F-602F3232E4A5}" type="datetimeFigureOut">
               <a:rPr lang="es-MX" smtClean="0"/>
-              <a:t>16/10/2019</a:t>
+              <a:t>16/05/2020</a:t>
             </a:fld>
             <a:endParaRPr lang="es-MX"/>
           </a:p>
@@ -1007,7 +1007,7 @@
           <a:p>
             <a:fld id="{40D64AAD-380E-41ED-A69F-602F3232E4A5}" type="datetimeFigureOut">
               <a:rPr lang="es-MX" smtClean="0"/>
-              <a:t>16/10/2019</a:t>
+              <a:t>16/05/2020</a:t>
             </a:fld>
             <a:endParaRPr lang="es-MX"/>
           </a:p>
@@ -1239,7 +1239,7 @@
           <a:p>
             <a:fld id="{40D64AAD-380E-41ED-A69F-602F3232E4A5}" type="datetimeFigureOut">
               <a:rPr lang="es-MX" smtClean="0"/>
-              <a:t>16/10/2019</a:t>
+              <a:t>16/05/2020</a:t>
             </a:fld>
             <a:endParaRPr lang="es-MX"/>
           </a:p>
@@ -1606,7 +1606,7 @@
           <a:p>
             <a:fld id="{40D64AAD-380E-41ED-A69F-602F3232E4A5}" type="datetimeFigureOut">
               <a:rPr lang="es-MX" smtClean="0"/>
-              <a:t>16/10/2019</a:t>
+              <a:t>16/05/2020</a:t>
             </a:fld>
             <a:endParaRPr lang="es-MX"/>
           </a:p>
@@ -1724,7 +1724,7 @@
           <a:p>
             <a:fld id="{40D64AAD-380E-41ED-A69F-602F3232E4A5}" type="datetimeFigureOut">
               <a:rPr lang="es-MX" smtClean="0"/>
-              <a:t>16/10/2019</a:t>
+              <a:t>16/05/2020</a:t>
             </a:fld>
             <a:endParaRPr lang="es-MX"/>
           </a:p>
@@ -1819,7 +1819,7 @@
           <a:p>
             <a:fld id="{40D64AAD-380E-41ED-A69F-602F3232E4A5}" type="datetimeFigureOut">
               <a:rPr lang="es-MX" smtClean="0"/>
-              <a:t>16/10/2019</a:t>
+              <a:t>16/05/2020</a:t>
             </a:fld>
             <a:endParaRPr lang="es-MX"/>
           </a:p>
@@ -2096,7 +2096,7 @@
           <a:p>
             <a:fld id="{40D64AAD-380E-41ED-A69F-602F3232E4A5}" type="datetimeFigureOut">
               <a:rPr lang="es-MX" smtClean="0"/>
-              <a:t>16/10/2019</a:t>
+              <a:t>16/05/2020</a:t>
             </a:fld>
             <a:endParaRPr lang="es-MX"/>
           </a:p>
@@ -2353,7 +2353,7 @@
           <a:p>
             <a:fld id="{40D64AAD-380E-41ED-A69F-602F3232E4A5}" type="datetimeFigureOut">
               <a:rPr lang="es-MX" smtClean="0"/>
-              <a:t>16/10/2019</a:t>
+              <a:t>16/05/2020</a:t>
             </a:fld>
             <a:endParaRPr lang="es-MX"/>
           </a:p>
@@ -2566,7 +2566,7 @@
           <a:p>
             <a:fld id="{40D64AAD-380E-41ED-A69F-602F3232E4A5}" type="datetimeFigureOut">
               <a:rPr lang="es-MX" smtClean="0"/>
-              <a:t>16/10/2019</a:t>
+              <a:t>16/05/2020</a:t>
             </a:fld>
             <a:endParaRPr lang="es-MX"/>
           </a:p>
@@ -3001,84 +3001,8 @@
         </p:blipFill>
         <p:spPr>
           <a:xfrm>
-            <a:off x="-1160243" y="204594"/>
-            <a:ext cx="10097868" cy="8550786"/>
-          </a:xfrm>
-          <a:prstGeom prst="rect">
-            <a:avLst/>
-          </a:prstGeom>
-        </p:spPr>
-      </p:pic>
-      <p:pic>
-        <p:nvPicPr>
-          <p:cNvPr id="4" name="Gráfico 3">
-            <a:extLst>
-              <a:ext uri="{FF2B5EF4-FFF2-40B4-BE49-F238E27FC236}">
-                <a16:creationId xmlns:a16="http://schemas.microsoft.com/office/drawing/2014/main" id="{9F043984-ECAF-4202-816D-2E7D066AC3CB}"/>
-              </a:ext>
-            </a:extLst>
-          </p:cNvPr>
-          <p:cNvPicPr>
-            <a:picLocks noChangeAspect="1"/>
-          </p:cNvPicPr>
-          <p:nvPr/>
-        </p:nvPicPr>
-        <p:blipFill rotWithShape="1">
-          <a:blip r:embed="rId4">
-            <a:extLst>
-              <a:ext uri="{28A0092B-C50C-407E-A947-70E740481C1C}">
-                <a14:useLocalDpi xmlns:a14="http://schemas.microsoft.com/office/drawing/2010/main" val="0"/>
-              </a:ext>
-              <a:ext uri="{96DAC541-7B7A-43D3-8B79-37D633B846F1}">
-                <asvg:svgBlip xmlns:asvg="http://schemas.microsoft.com/office/drawing/2016/SVG/main" r:embed="rId5"/>
-              </a:ext>
-            </a:extLst>
-          </a:blip>
-          <a:srcRect l="1275" t="1454" r="12812" b="1421"/>
-          <a:stretch/>
-        </p:blipFill>
-        <p:spPr>
-          <a:xfrm>
-            <a:off x="-2934269" y="6591"/>
-            <a:ext cx="12869839" cy="11041380"/>
-          </a:xfrm>
-          <a:prstGeom prst="rect">
-            <a:avLst/>
-          </a:prstGeom>
-        </p:spPr>
-      </p:pic>
-      <p:pic>
-        <p:nvPicPr>
-          <p:cNvPr id="10" name="Gráfico 9">
-            <a:extLst>
-              <a:ext uri="{FF2B5EF4-FFF2-40B4-BE49-F238E27FC236}">
-                <a16:creationId xmlns:a16="http://schemas.microsoft.com/office/drawing/2014/main" id="{F7955465-3E5B-4CD0-B21F-B2DC57079A16}"/>
-              </a:ext>
-            </a:extLst>
-          </p:cNvPr>
-          <p:cNvPicPr>
-            <a:picLocks noChangeAspect="1"/>
-          </p:cNvPicPr>
-          <p:nvPr/>
-        </p:nvPicPr>
-        <p:blipFill rotWithShape="1">
-          <a:blip r:embed="rId2">
-            <a:extLst>
-              <a:ext uri="{28A0092B-C50C-407E-A947-70E740481C1C}">
-                <a14:useLocalDpi xmlns:a14="http://schemas.microsoft.com/office/drawing/2010/main" val="0"/>
-              </a:ext>
-              <a:ext uri="{96DAC541-7B7A-43D3-8B79-37D633B846F1}">
-                <asvg:svgBlip xmlns:asvg="http://schemas.microsoft.com/office/drawing/2016/SVG/main" r:embed="rId3"/>
-              </a:ext>
-            </a:extLst>
-          </a:blip>
-          <a:srcRect l="86012" t="467" r="1" b="54268"/>
-          <a:stretch/>
-        </p:blipFill>
-        <p:spPr>
-          <a:xfrm>
-            <a:off x="7655864" y="340598"/>
-            <a:ext cx="2424761" cy="5077539"/>
+            <a:off x="-762001" y="414144"/>
+            <a:ext cx="9699625" cy="8213557"/>
           </a:xfrm>
           <a:prstGeom prst="rect">
             <a:avLst/>
